--- a/filters/net.sf.okapi.filters.openxml.tests/gold/Transample.pptx
+++ b/filters/net.sf.okapi.filters.openxml.tests/gold/Transample.pptx
@@ -2584,7 +2584,7 @@
           <a:p>
             <a:r>
               <a:rPr lang="en-US" smtClean="0"/>
-              <a:t>Click to edit Master title style</a:t>
+              <a:t>ickclay otay edithay astermay itletay estylay</a:t>
             </a:r>
             <a:endParaRPr lang="en-US"/>
           </a:p>
@@ -2618,35 +2618,35 @@
             <a:pPr lvl="0"/>
             <a:r>
               <a:rPr lang="en-US" smtClean="0"/>
-              <a:t>Click to edit Master text styles</a:t>
+              <a:t>ickclay otay edithay astermay exttay esstylay</a:t>
             </a:r>
           </a:p>
           <a:p>
             <a:pPr lvl="1"/>
             <a:r>
               <a:rPr lang="en-US" smtClean="0"/>
-              <a:t>Second level</a:t>
+              <a:t>econdsay evellay</a:t>
             </a:r>
           </a:p>
           <a:p>
             <a:pPr lvl="2"/>
             <a:r>
               <a:rPr lang="en-US" smtClean="0"/>
-              <a:t>Third level</a:t>
+              <a:t>irdthay evellay</a:t>
             </a:r>
           </a:p>
           <a:p>
             <a:pPr lvl="3"/>
             <a:r>
               <a:rPr lang="en-US" smtClean="0"/>
-              <a:t>Fourth level</a:t>
+              <a:t>ourthfay evellay</a:t>
             </a:r>
           </a:p>
           <a:p>
             <a:pPr lvl="4"/>
             <a:r>
               <a:rPr lang="en-US" smtClean="0"/>
-              <a:t>Fifth level</a:t>
+              <a:t>ifthfay evellay</a:t>
             </a:r>
             <a:endParaRPr lang="en-US"/>
           </a:p>
